--- a/Presentation/Poster.pptx
+++ b/Presentation/Poster.pptx
@@ -6,7 +6,7 @@
     <p:sldMasterId id="2147483852" r:id="rId2"/>
   </p:sldMasterIdLst>
   <p:notesMasterIdLst>
-    <p:notesMasterId r:id="rId9"/>
+    <p:notesMasterId r:id="rId10"/>
   </p:notesMasterIdLst>
   <p:sldIdLst>
     <p:sldId id="258" r:id="rId3"/>
@@ -14,7 +14,8 @@
     <p:sldId id="261" r:id="rId5"/>
     <p:sldId id="259" r:id="rId6"/>
     <p:sldId id="262" r:id="rId7"/>
-    <p:sldId id="263" r:id="rId8"/>
+    <p:sldId id="264" r:id="rId8"/>
+    <p:sldId id="263" r:id="rId9"/>
   </p:sldIdLst>
   <p:sldSz cx="9144000" cy="6858000" type="screen4x3"/>
   <p:notesSz cx="6858000" cy="9144000"/>
@@ -198,7 +199,7 @@
           <a:p>
             <a:fld id="{CB0C1905-2991-4C69-999F-BF31B941997B}" type="datetimeFigureOut">
               <a:rPr lang="he-IL" smtClean="0"/>
-              <a:t>כ"ח/סיון/תשע"ג</a:t>
+              <a:t>ל'/סיון/תשע"ג</a:t>
             </a:fld>
             <a:endParaRPr lang="he-IL"/>
           </a:p>
@@ -1285,7 +1286,7 @@
             <a:fld id="{1D8BD707-D9CF-40AE-B4C6-C98DA3205C09}" type="datetimeFigureOut">
               <a:rPr lang="en-US" smtClean="0"/>
               <a:pPr/>
-              <a:t>6/6/2013</a:t>
+              <a:t>6/8/2013</a:t>
             </a:fld>
             <a:endParaRPr lang="en-US" dirty="0"/>
           </a:p>
@@ -1509,7 +1510,7 @@
                 </a:solidFill>
               </a:rPr>
               <a:pPr/>
-              <a:t>6/6/2013</a:t>
+              <a:t>6/8/2013</a:t>
             </a:fld>
             <a:endParaRPr lang="en-US" dirty="0">
               <a:solidFill>
@@ -1718,7 +1719,7 @@
                 </a:solidFill>
               </a:rPr>
               <a:pPr/>
-              <a:t>6/6/2013</a:t>
+              <a:t>6/8/2013</a:t>
             </a:fld>
             <a:endParaRPr lang="en-US" dirty="0">
               <a:solidFill>
@@ -2221,7 +2222,7 @@
             <a:fld id="{1D8BD707-D9CF-40AE-B4C6-C98DA3205C09}" type="datetimeFigureOut">
               <a:rPr lang="en-US" smtClean="0"/>
               <a:pPr/>
-              <a:t>6/6/2013</a:t>
+              <a:t>6/8/2013</a:t>
             </a:fld>
             <a:endParaRPr lang="en-US" dirty="0"/>
           </a:p>
@@ -2365,7 +2366,7 @@
                 </a:solidFill>
               </a:rPr>
               <a:pPr/>
-              <a:t>6/6/2013</a:t>
+              <a:t>6/8/2013</a:t>
             </a:fld>
             <a:endParaRPr lang="en-US" dirty="0">
               <a:solidFill>
@@ -2983,7 +2984,7 @@
                 </a:solidFill>
               </a:rPr>
               <a:pPr/>
-              <a:t>6/6/2013</a:t>
+              <a:t>6/8/2013</a:t>
             </a:fld>
             <a:endParaRPr lang="en-US" dirty="0">
               <a:solidFill>
@@ -3102,7 +3103,7 @@
                 </a:solidFill>
               </a:rPr>
               <a:pPr/>
-              <a:t>6/6/2013</a:t>
+              <a:t>6/8/2013</a:t>
             </a:fld>
             <a:endParaRPr lang="en-US" dirty="0">
               <a:solidFill>
@@ -3729,7 +3730,7 @@
                 </a:solidFill>
               </a:rPr>
               <a:pPr/>
-              <a:t>6/6/2013</a:t>
+              <a:t>6/8/2013</a:t>
             </a:fld>
             <a:endParaRPr lang="en-US" dirty="0">
               <a:solidFill>
@@ -3894,7 +3895,7 @@
                 </a:solidFill>
               </a:rPr>
               <a:pPr/>
-              <a:t>6/6/2013</a:t>
+              <a:t>6/8/2013</a:t>
             </a:fld>
             <a:endParaRPr lang="en-US" dirty="0">
               <a:solidFill>
@@ -4013,7 +4014,7 @@
                 </a:solidFill>
               </a:rPr>
               <a:pPr/>
-              <a:t>6/6/2013</a:t>
+              <a:t>6/8/2013</a:t>
             </a:fld>
             <a:endParaRPr lang="en-US" dirty="0">
               <a:solidFill>
@@ -4319,7 +4320,7 @@
                 </a:solidFill>
               </a:rPr>
               <a:pPr/>
-              <a:t>6/6/2013</a:t>
+              <a:t>6/8/2013</a:t>
             </a:fld>
             <a:endParaRPr lang="en-US" dirty="0">
               <a:solidFill>
@@ -4438,7 +4439,7 @@
                 </a:solidFill>
               </a:rPr>
               <a:pPr/>
-              <a:t>6/6/2013</a:t>
+              <a:t>6/8/2013</a:t>
             </a:fld>
             <a:endParaRPr lang="en-US" dirty="0">
               <a:solidFill>
@@ -5062,7 +5063,7 @@
                 </a:solidFill>
               </a:rPr>
               <a:pPr/>
-              <a:t>6/6/2013</a:t>
+              <a:t>6/8/2013</a:t>
             </a:fld>
             <a:endParaRPr lang="en-US" dirty="0">
               <a:solidFill>
@@ -5295,7 +5296,7 @@
                 </a:solidFill>
               </a:rPr>
               <a:pPr/>
-              <a:t>6/6/2013</a:t>
+              <a:t>6/8/2013</a:t>
             </a:fld>
             <a:endParaRPr lang="en-US" dirty="0">
               <a:solidFill>
@@ -5504,7 +5505,7 @@
                 </a:solidFill>
               </a:rPr>
               <a:pPr/>
-              <a:t>6/6/2013</a:t>
+              <a:t>6/8/2013</a:t>
             </a:fld>
             <a:endParaRPr lang="en-US" dirty="0">
               <a:solidFill>
@@ -6042,7 +6043,7 @@
                 </a:solidFill>
               </a:rPr>
               <a:pPr/>
-              <a:t>6/6/2013</a:t>
+              <a:t>6/8/2013</a:t>
             </a:fld>
             <a:endParaRPr lang="en-US" dirty="0">
               <a:solidFill>
@@ -6161,7 +6162,7 @@
                 </a:solidFill>
               </a:rPr>
               <a:pPr/>
-              <a:t>6/6/2013</a:t>
+              <a:t>6/8/2013</a:t>
             </a:fld>
             <a:endParaRPr lang="en-US" dirty="0">
               <a:solidFill>
@@ -6788,7 +6789,7 @@
                 </a:solidFill>
               </a:rPr>
               <a:pPr/>
-              <a:t>6/6/2013</a:t>
+              <a:t>6/8/2013</a:t>
             </a:fld>
             <a:endParaRPr lang="en-US" dirty="0">
               <a:solidFill>
@@ -6953,7 +6954,7 @@
                 </a:solidFill>
               </a:rPr>
               <a:pPr/>
-              <a:t>6/6/2013</a:t>
+              <a:t>6/8/2013</a:t>
             </a:fld>
             <a:endParaRPr lang="en-US" dirty="0">
               <a:solidFill>
@@ -7072,7 +7073,7 @@
                 </a:solidFill>
               </a:rPr>
               <a:pPr/>
-              <a:t>6/6/2013</a:t>
+              <a:t>6/8/2013</a:t>
             </a:fld>
             <a:endParaRPr lang="en-US" dirty="0">
               <a:solidFill>
@@ -7378,7 +7379,7 @@
                 </a:solidFill>
               </a:rPr>
               <a:pPr/>
-              <a:t>6/6/2013</a:t>
+              <a:t>6/8/2013</a:t>
             </a:fld>
             <a:endParaRPr lang="en-US" dirty="0">
               <a:solidFill>
@@ -7922,7 +7923,7 @@
                 </a:solidFill>
               </a:rPr>
               <a:pPr/>
-              <a:t>6/6/2013</a:t>
+              <a:t>6/8/2013</a:t>
             </a:fld>
             <a:endParaRPr lang="en-US" dirty="0">
               <a:solidFill>
@@ -8465,7 +8466,7 @@
                 </a:solidFill>
               </a:rPr>
               <a:pPr rtl="0"/>
-              <a:t>6/6/2013</a:t>
+              <a:t>6/8/2013</a:t>
             </a:fld>
             <a:endParaRPr lang="en-US" dirty="0">
               <a:solidFill>
@@ -9465,7 +9466,7 @@
                 </a:solidFill>
               </a:rPr>
               <a:pPr rtl="0"/>
-              <a:t>6/6/2013</a:t>
+              <a:t>6/8/2013</a:t>
             </a:fld>
             <a:endParaRPr lang="en-US" dirty="0">
               <a:solidFill>
@@ -13718,11 +13719,7 @@
             </a:pPr>
             <a:r>
               <a:rPr lang="en-US" dirty="0" smtClean="0"/>
-              <a:t>Image Manipulation </a:t>
-            </a:r>
-            <a:r>
-              <a:rPr lang="en-US" dirty="0" smtClean="0"/>
-              <a:t>Block </a:t>
+              <a:t>Image Manipulation Block </a:t>
             </a:r>
             <a:endParaRPr lang="he-IL" dirty="0"/>
           </a:p>
@@ -15619,11 +15616,11 @@
   <p:clrMapOvr>
     <a:masterClrMapping/>
   </p:clrMapOvr>
-  <mc:AlternateContent xmlns:mc="http://schemas.openxmlformats.org/markup-compatibility/2006">
-    <mc:Choice xmlns:p14="http://schemas.microsoft.com/office/powerpoint/2010/main" Requires="p14">
+  <mc:AlternateContent xmlns:mc="http://schemas.openxmlformats.org/markup-compatibility/2006" xmlns:p14="http://schemas.microsoft.com/office/powerpoint/2010/main">
+    <mc:Choice Requires="p14">
       <p:transition p14:dur="0"/>
     </mc:Choice>
-    <mc:Fallback>
+    <mc:Fallback xmlns="">
       <p:transition/>
     </mc:Fallback>
   </mc:AlternateContent>
@@ -15654,6 +15651,123 @@
           <a:chExt cx="0" cy="0"/>
         </a:xfrm>
       </p:grpSpPr>
+      <p:pic>
+        <p:nvPicPr>
+          <p:cNvPr id="1026" name="Picture 2" descr="P:\gui_snap.png"/>
+          <p:cNvPicPr>
+            <a:picLocks noChangeAspect="1" noChangeArrowheads="1"/>
+          </p:cNvPicPr>
+          <p:nvPr/>
+        </p:nvPicPr>
+        <p:blipFill>
+          <a:blip r:embed="rId2">
+            <a:extLst>
+              <a:ext uri="{28A0092B-C50C-407E-A947-70E740481C1C}">
+                <a14:useLocalDpi xmlns:a14="http://schemas.microsoft.com/office/drawing/2010/main" val="0"/>
+              </a:ext>
+            </a:extLst>
+          </a:blip>
+          <a:srcRect/>
+          <a:stretch>
+            <a:fillRect/>
+          </a:stretch>
+        </p:blipFill>
+        <p:spPr bwMode="auto">
+          <a:xfrm>
+            <a:off x="179512" y="1268760"/>
+            <a:ext cx="8783129" cy="4824536"/>
+          </a:xfrm>
+          <a:prstGeom prst="rect">
+            <a:avLst/>
+          </a:prstGeom>
+          <a:noFill/>
+          <a:ln w="38100">
+            <a:solidFill>
+              <a:srgbClr val="0070C0"/>
+            </a:solidFill>
+          </a:ln>
+          <a:extLst>
+            <a:ext uri="{909E8E84-426E-40DD-AFC4-6F175D3DCCD1}">
+              <a14:hiddenFill xmlns:a14="http://schemas.microsoft.com/office/drawing/2010/main">
+                <a:solidFill>
+                  <a:srgbClr val="FFFFFF"/>
+                </a:solidFill>
+              </a14:hiddenFill>
+            </a:ext>
+          </a:extLst>
+        </p:spPr>
+      </p:pic>
+      <p:sp>
+        <p:nvSpPr>
+          <p:cNvPr id="5" name="Title 2"/>
+          <p:cNvSpPr>
+            <a:spLocks noGrp="1"/>
+          </p:cNvSpPr>
+          <p:nvPr>
+            <p:ph type="title"/>
+          </p:nvPr>
+        </p:nvSpPr>
+        <p:spPr>
+          <a:xfrm>
+            <a:off x="683568" y="143559"/>
+            <a:ext cx="8209961" cy="1143000"/>
+          </a:xfrm>
+          <a:noFill/>
+        </p:spPr>
+        <p:txBody>
+          <a:bodyPr>
+            <a:normAutofit/>
+          </a:bodyPr>
+          <a:lstStyle/>
+          <a:p>
+            <a:pPr marL="0" indent="0" algn="l" rtl="0">
+              <a:buNone/>
+            </a:pPr>
+            <a:r>
+              <a:rPr lang="en-US" dirty="0" smtClean="0"/>
+              <a:t>Graphical User Interface</a:t>
+            </a:r>
+            <a:endParaRPr lang="he-IL" dirty="0"/>
+          </a:p>
+        </p:txBody>
+      </p:sp>
+    </p:spTree>
+    <p:extLst>
+      <p:ext uri="{BB962C8B-B14F-4D97-AF65-F5344CB8AC3E}">
+        <p14:creationId xmlns:p14="http://schemas.microsoft.com/office/powerpoint/2010/main" val="4245821832"/>
+      </p:ext>
+    </p:extLst>
+  </p:cSld>
+  <p:clrMapOvr>
+    <a:masterClrMapping/>
+  </p:clrMapOvr>
+  <p:timing>
+    <p:tnLst>
+      <p:par>
+        <p:cTn id="1" dur="indefinite" restart="never" nodeType="tmRoot"/>
+      </p:par>
+    </p:tnLst>
+  </p:timing>
+</p:sld>
+</file>
+
+<file path=ppt/slides/slide7.xml><?xml version="1.0" encoding="utf-8"?>
+<p:sld xmlns:a="http://schemas.openxmlformats.org/drawingml/2006/main" xmlns:r="http://schemas.openxmlformats.org/officeDocument/2006/relationships" xmlns:p="http://schemas.openxmlformats.org/presentationml/2006/main">
+  <p:cSld>
+    <p:spTree>
+      <p:nvGrpSpPr>
+        <p:cNvPr id="1" name=""/>
+        <p:cNvGrpSpPr/>
+        <p:nvPr/>
+      </p:nvGrpSpPr>
+      <p:grpSpPr>
+        <a:xfrm>
+          <a:off x="0" y="0"/>
+          <a:ext cx="0" cy="0"/>
+          <a:chOff x="0" y="0"/>
+          <a:chExt cx="0" cy="0"/>
+        </a:xfrm>
+      </p:grpSpPr>
       <p:sp>
         <p:nvSpPr>
           <p:cNvPr id="3" name="Title 2"/>
@@ -15694,24 +15808,22 @@
           <p:nvPr>
             <p:extLst>
               <p:ext uri="{D42A27DB-BD31-4B8C-83A1-F6EECF244321}">
-                <p14:modId xmlns:p14="http://schemas.microsoft.com/office/powerpoint/2010/main" val="4255107302"/>
+                <p14:modId xmlns:p14="http://schemas.microsoft.com/office/powerpoint/2010/main" val="1843431386"/>
               </p:ext>
             </p:extLst>
           </p:nvPr>
         </p:nvGraphicFramePr>
         <p:xfrm>
-          <a:off x="1524000" y="1397000"/>
-          <a:ext cx="6096000" cy="1651000"/>
+          <a:off x="6292402" y="1700808"/>
+          <a:ext cx="2032000" cy="1651000"/>
         </p:xfrm>
         <a:graphic>
           <a:graphicData uri="http://schemas.openxmlformats.org/drawingml/2006/table">
             <a:tbl>
               <a:tblPr rtl="1" firstRow="1" bandRow="1">
-                <a:tableStyleId>{BDBED569-4797-4DF1-A0F4-6AAB3CD982D8}</a:tableStyleId>
+                <a:tableStyleId>{5DA37D80-6434-44D0-A028-1B22A696006F}</a:tableStyleId>
               </a:tblPr>
               <a:tblGrid>
-                <a:gridCol w="2032000"/>
-                <a:gridCol w="2032000"/>
                 <a:gridCol w="2032000"/>
               </a:tblGrid>
               <a:tr h="370840">
@@ -15738,62 +15850,16 @@
                         <a:defRPr/>
                       </a:pPr>
                       <a:r>
-                        <a:rPr lang="en-US" b="0" dirty="0" smtClean="0"/>
+                        <a:rPr lang="en-US" dirty="0" smtClean="0"/>
                         <a:t>333[</a:t>
                       </a:r>
                       <a:r>
-                        <a:rPr lang="en-US" b="0" dirty="0" err="1" smtClean="0"/>
+                        <a:rPr lang="en-US" dirty="0" err="1" smtClean="0"/>
                         <a:t>deg</a:t>
                       </a:r>
                       <a:r>
-                        <a:rPr lang="en-US" b="0" dirty="0" smtClean="0"/>
+                        <a:rPr lang="en-US" dirty="0" smtClean="0"/>
                         <a:t>]</a:t>
-                      </a:r>
-                      <a:endParaRPr lang="he-IL" b="0" dirty="0"/>
-                    </a:p>
-                  </a:txBody>
-                  <a:tcPr/>
-                </a:tc>
-                <a:tc>
-                  <a:txBody>
-                    <a:bodyPr/>
-                    <a:lstStyle/>
-                    <a:p>
-                      <a:pPr algn="ctr" rtl="0"/>
-                      <a:r>
-                        <a:rPr lang="en-US" b="0" dirty="0" smtClean="0"/>
-                        <a:t>180[</a:t>
-                      </a:r>
-                      <a:r>
-                        <a:rPr lang="en-US" b="0" dirty="0" err="1" smtClean="0"/>
-                        <a:t>deg</a:t>
-                      </a:r>
-                      <a:r>
-                        <a:rPr lang="en-US" b="0" dirty="0" smtClean="0"/>
-                        <a:t>]</a:t>
-                      </a:r>
-                      <a:endParaRPr lang="he-IL" b="0" dirty="0"/>
-                    </a:p>
-                  </a:txBody>
-                  <a:tcPr/>
-                </a:tc>
-                <a:tc>
-                  <a:txBody>
-                    <a:bodyPr/>
-                    <a:lstStyle/>
-                    <a:p>
-                      <a:pPr algn="ctr" rtl="0"/>
-                      <a:r>
-                        <a:rPr lang="en-US" b="0" dirty="0" smtClean="0"/>
-                        <a:t>90[</a:t>
-                      </a:r>
-                      <a:r>
-                        <a:rPr lang="en-US" b="0" dirty="0" err="1" smtClean="0"/>
-                        <a:t>deg</a:t>
-                      </a:r>
-                      <a:r>
-                        <a:rPr lang="en-US" b="0" dirty="0" smtClean="0"/>
-                        <a:t>] </a:t>
                       </a:r>
                       <a:endParaRPr lang="he-IL" b="0" dirty="0"/>
                     </a:p>
@@ -15832,56 +15898,6 @@
                     </a:p>
                     <a:p>
                       <a:pPr algn="ctr" rtl="0"/>
-                      <a:endParaRPr lang="he-IL" dirty="0"/>
-                    </a:p>
-                  </a:txBody>
-                  <a:tcPr/>
-                </a:tc>
-                <a:tc>
-                  <a:txBody>
-                    <a:bodyPr/>
-                    <a:lstStyle/>
-                    <a:p>
-                      <a:pPr marL="0" marR="0" indent="0" algn="ctr" defTabSz="914400" rtl="0" eaLnBrk="1" fontAlgn="auto" latinLnBrk="0" hangingPunct="1">
-                        <a:lnSpc>
-                          <a:spcPct val="100000"/>
-                        </a:lnSpc>
-                        <a:spcBef>
-                          <a:spcPts val="0"/>
-                        </a:spcBef>
-                        <a:spcAft>
-                          <a:spcPts val="0"/>
-                        </a:spcAft>
-                        <a:buClrTx/>
-                        <a:buSzTx/>
-                        <a:buFontTx/>
-                        <a:buNone/>
-                        <a:tabLst/>
-                        <a:defRPr/>
-                      </a:pPr>
-                      <a:r>
-                        <a:rPr lang="en-US" baseline="0" dirty="0" smtClean="0"/>
-                        <a:t>zoom x2</a:t>
-                      </a:r>
-                      <a:endParaRPr lang="he-IL" dirty="0" smtClean="0"/>
-                    </a:p>
-                    <a:p>
-                      <a:pPr algn="ctr" rtl="0"/>
-                      <a:endParaRPr lang="he-IL" dirty="0"/>
-                    </a:p>
-                  </a:txBody>
-                  <a:tcPr/>
-                </a:tc>
-                <a:tc>
-                  <a:txBody>
-                    <a:bodyPr/>
-                    <a:lstStyle/>
-                    <a:p>
-                      <a:pPr algn="ctr" rtl="0"/>
-                      <a:r>
-                        <a:rPr lang="en-US" dirty="0" smtClean="0"/>
-                        <a:t>Zoom x1</a:t>
-                      </a:r>
                       <a:endParaRPr lang="he-IL" dirty="0"/>
                     </a:p>
                   </a:txBody>
@@ -15927,72 +15943,6 @@
                     </a:p>
                     <a:p>
                       <a:pPr algn="ctr" rtl="0"/>
-                      <a:endParaRPr lang="he-IL" dirty="0"/>
-                    </a:p>
-                  </a:txBody>
-                  <a:tcPr/>
-                </a:tc>
-                <a:tc>
-                  <a:txBody>
-                    <a:bodyPr/>
-                    <a:lstStyle/>
-                    <a:p>
-                      <a:pPr marL="0" marR="0" indent="0" algn="ctr" defTabSz="914400" rtl="0" eaLnBrk="1" fontAlgn="auto" latinLnBrk="0" hangingPunct="1">
-                        <a:lnSpc>
-                          <a:spcPct val="100000"/>
-                        </a:lnSpc>
-                        <a:spcBef>
-                          <a:spcPts val="0"/>
-                        </a:spcBef>
-                        <a:spcAft>
-                          <a:spcPts val="0"/>
-                        </a:spcAft>
-                        <a:buClrTx/>
-                        <a:buSzTx/>
-                        <a:buFontTx/>
-                        <a:buNone/>
-                        <a:tabLst/>
-                        <a:defRPr/>
-                      </a:pPr>
-                      <a:r>
-                        <a:rPr lang="en-US" dirty="0" smtClean="0"/>
-                        <a:t>Start</a:t>
-                      </a:r>
-                      <a:r>
-                        <a:rPr lang="en-US" baseline="0" dirty="0" smtClean="0"/>
-                        <a:t> Point </a:t>
-                      </a:r>
-                      <a:r>
-                        <a:rPr lang="en-US" dirty="0" smtClean="0"/>
-                        <a:t>[1,1]</a:t>
-                      </a:r>
-                      <a:endParaRPr lang="he-IL" dirty="0" smtClean="0"/>
-                    </a:p>
-                    <a:p>
-                      <a:pPr algn="ctr" rtl="0"/>
-                      <a:endParaRPr lang="he-IL" dirty="0"/>
-                    </a:p>
-                  </a:txBody>
-                  <a:tcPr/>
-                </a:tc>
-                <a:tc>
-                  <a:txBody>
-                    <a:bodyPr/>
-                    <a:lstStyle/>
-                    <a:p>
-                      <a:pPr algn="ctr" rtl="0"/>
-                      <a:r>
-                        <a:rPr lang="en-US" dirty="0" smtClean="0"/>
-                        <a:t>Start</a:t>
-                      </a:r>
-                      <a:r>
-                        <a:rPr lang="en-US" baseline="0" dirty="0" smtClean="0"/>
-                        <a:t> Point </a:t>
-                      </a:r>
-                      <a:r>
-                        <a:rPr lang="en-US" dirty="0" smtClean="0"/>
-                        <a:t>[200,200]</a:t>
-                      </a:r>
                       <a:endParaRPr lang="he-IL" dirty="0"/>
                     </a:p>
                   </a:txBody>
@@ -16243,6 +16193,242 @@
           </a:extLst>
         </p:spPr>
       </p:pic>
+      <p:graphicFrame>
+        <p:nvGraphicFramePr>
+          <p:cNvPr id="2" name="Table 1"/>
+          <p:cNvGraphicFramePr>
+            <a:graphicFrameLocks noGrp="1"/>
+          </p:cNvGraphicFramePr>
+          <p:nvPr>
+            <p:extLst>
+              <p:ext uri="{D42A27DB-BD31-4B8C-83A1-F6EECF244321}">
+                <p14:modId xmlns:p14="http://schemas.microsoft.com/office/powerpoint/2010/main" val="2434300399"/>
+              </p:ext>
+            </p:extLst>
+          </p:nvPr>
+        </p:nvGraphicFramePr>
+        <p:xfrm>
+          <a:off x="548507" y="1700808"/>
+          <a:ext cx="2010146" cy="1656185"/>
+        </p:xfrm>
+        <a:graphic>
+          <a:graphicData uri="http://schemas.openxmlformats.org/drawingml/2006/table">
+            <a:tbl>
+              <a:tblPr rtl="1" firstRow="1" bandRow="1">
+                <a:tableStyleId>{5DA37D80-6434-44D0-A028-1B22A696006F}</a:tableStyleId>
+              </a:tblPr>
+              <a:tblGrid>
+                <a:gridCol w="2010146"/>
+              </a:tblGrid>
+              <a:tr h="444491">
+                <a:tc>
+                  <a:txBody>
+                    <a:bodyPr/>
+                    <a:lstStyle/>
+                    <a:p>
+                      <a:pPr algn="ctr" rtl="0"/>
+                      <a:r>
+                        <a:rPr lang="en-US" dirty="0" smtClean="0"/>
+                        <a:t>90[</a:t>
+                      </a:r>
+                      <a:r>
+                        <a:rPr lang="en-US" dirty="0" err="1" smtClean="0"/>
+                        <a:t>deg</a:t>
+                      </a:r>
+                      <a:r>
+                        <a:rPr lang="en-US" dirty="0" smtClean="0"/>
+                        <a:t>] </a:t>
+                      </a:r>
+                      <a:endParaRPr lang="he-IL" b="0" dirty="0"/>
+                    </a:p>
+                  </a:txBody>
+                  <a:tcPr/>
+                </a:tc>
+              </a:tr>
+              <a:tr h="444491">
+                <a:tc>
+                  <a:txBody>
+                    <a:bodyPr/>
+                    <a:lstStyle/>
+                    <a:p>
+                      <a:pPr algn="ctr" rtl="0"/>
+                      <a:r>
+                        <a:rPr lang="en-US" dirty="0" smtClean="0"/>
+                        <a:t>Zoom x1</a:t>
+                      </a:r>
+                      <a:endParaRPr lang="he-IL" dirty="0"/>
+                    </a:p>
+                  </a:txBody>
+                  <a:tcPr/>
+                </a:tc>
+              </a:tr>
+              <a:tr h="767203">
+                <a:tc>
+                  <a:txBody>
+                    <a:bodyPr/>
+                    <a:lstStyle/>
+                    <a:p>
+                      <a:pPr algn="ctr" rtl="0"/>
+                      <a:r>
+                        <a:rPr lang="en-US" dirty="0" smtClean="0"/>
+                        <a:t>Start</a:t>
+                      </a:r>
+                      <a:r>
+                        <a:rPr lang="en-US" baseline="0" dirty="0" smtClean="0"/>
+                        <a:t> Point </a:t>
+                      </a:r>
+                      <a:r>
+                        <a:rPr lang="en-US" dirty="0" smtClean="0"/>
+                        <a:t>[200,200]</a:t>
+                      </a:r>
+                      <a:endParaRPr lang="he-IL" dirty="0"/>
+                    </a:p>
+                  </a:txBody>
+                  <a:tcPr/>
+                </a:tc>
+              </a:tr>
+            </a:tbl>
+          </a:graphicData>
+        </a:graphic>
+      </p:graphicFrame>
+      <p:graphicFrame>
+        <p:nvGraphicFramePr>
+          <p:cNvPr id="7" name="Table 6"/>
+          <p:cNvGraphicFramePr>
+            <a:graphicFrameLocks noGrp="1"/>
+          </p:cNvGraphicFramePr>
+          <p:nvPr>
+            <p:extLst>
+              <p:ext uri="{D42A27DB-BD31-4B8C-83A1-F6EECF244321}">
+                <p14:modId xmlns:p14="http://schemas.microsoft.com/office/powerpoint/2010/main" val="3876735709"/>
+              </p:ext>
+            </p:extLst>
+          </p:nvPr>
+        </p:nvGraphicFramePr>
+        <p:xfrm>
+          <a:off x="3449783" y="1700808"/>
+          <a:ext cx="2016224" cy="1651000"/>
+        </p:xfrm>
+        <a:graphic>
+          <a:graphicData uri="http://schemas.openxmlformats.org/drawingml/2006/table">
+            <a:tbl>
+              <a:tblPr rtl="1" firstRow="1" bandRow="1">
+                <a:tableStyleId>{5DA37D80-6434-44D0-A028-1B22A696006F}</a:tableStyleId>
+              </a:tblPr>
+              <a:tblGrid>
+                <a:gridCol w="2016224"/>
+              </a:tblGrid>
+              <a:tr h="370840">
+                <a:tc>
+                  <a:txBody>
+                    <a:bodyPr/>
+                    <a:lstStyle/>
+                    <a:p>
+                      <a:pPr algn="ctr" rtl="0"/>
+                      <a:r>
+                        <a:rPr lang="en-US" dirty="0" smtClean="0"/>
+                        <a:t>180[</a:t>
+                      </a:r>
+                      <a:r>
+                        <a:rPr lang="en-US" dirty="0" err="1" smtClean="0"/>
+                        <a:t>deg</a:t>
+                      </a:r>
+                      <a:r>
+                        <a:rPr lang="en-US" dirty="0" smtClean="0"/>
+                        <a:t>]</a:t>
+                      </a:r>
+                      <a:endParaRPr lang="he-IL" b="0" dirty="0"/>
+                    </a:p>
+                  </a:txBody>
+                  <a:tcPr/>
+                </a:tc>
+              </a:tr>
+              <a:tr h="370840">
+                <a:tc>
+                  <a:txBody>
+                    <a:bodyPr/>
+                    <a:lstStyle/>
+                    <a:p>
+                      <a:pPr marL="0" marR="0" indent="0" algn="ctr" defTabSz="914400" rtl="0" eaLnBrk="1" fontAlgn="auto" latinLnBrk="0" hangingPunct="1">
+                        <a:lnSpc>
+                          <a:spcPct val="100000"/>
+                        </a:lnSpc>
+                        <a:spcBef>
+                          <a:spcPts val="0"/>
+                        </a:spcBef>
+                        <a:spcAft>
+                          <a:spcPts val="0"/>
+                        </a:spcAft>
+                        <a:buClrTx/>
+                        <a:buSzTx/>
+                        <a:buFontTx/>
+                        <a:buNone/>
+                        <a:tabLst/>
+                        <a:defRPr/>
+                      </a:pPr>
+                      <a:r>
+                        <a:rPr lang="en-US" baseline="0" dirty="0" smtClean="0"/>
+                        <a:t>zoom x2</a:t>
+                      </a:r>
+                      <a:endParaRPr lang="he-IL" dirty="0" smtClean="0"/>
+                    </a:p>
+                    <a:p>
+                      <a:pPr algn="ctr" rtl="0"/>
+                      <a:endParaRPr lang="he-IL" dirty="0"/>
+                    </a:p>
+                  </a:txBody>
+                  <a:tcPr/>
+                </a:tc>
+              </a:tr>
+              <a:tr h="370840">
+                <a:tc>
+                  <a:txBody>
+                    <a:bodyPr/>
+                    <a:lstStyle/>
+                    <a:p>
+                      <a:pPr marL="0" marR="0" indent="0" algn="ctr" defTabSz="914400" rtl="0" eaLnBrk="1" fontAlgn="auto" latinLnBrk="0" hangingPunct="1">
+                        <a:lnSpc>
+                          <a:spcPct val="100000"/>
+                        </a:lnSpc>
+                        <a:spcBef>
+                          <a:spcPts val="0"/>
+                        </a:spcBef>
+                        <a:spcAft>
+                          <a:spcPts val="0"/>
+                        </a:spcAft>
+                        <a:buClrTx/>
+                        <a:buSzTx/>
+                        <a:buFontTx/>
+                        <a:buNone/>
+                        <a:tabLst/>
+                        <a:defRPr/>
+                      </a:pPr>
+                      <a:r>
+                        <a:rPr lang="en-US" dirty="0" smtClean="0"/>
+                        <a:t>Start</a:t>
+                      </a:r>
+                      <a:r>
+                        <a:rPr lang="en-US" baseline="0" dirty="0" smtClean="0"/>
+                        <a:t> Point </a:t>
+                      </a:r>
+                      <a:r>
+                        <a:rPr lang="en-US" dirty="0" smtClean="0"/>
+                        <a:t>[1,1]</a:t>
+                      </a:r>
+                      <a:endParaRPr lang="he-IL" dirty="0" smtClean="0"/>
+                    </a:p>
+                    <a:p>
+                      <a:pPr algn="ctr" rtl="0"/>
+                      <a:endParaRPr lang="he-IL" dirty="0"/>
+                    </a:p>
+                  </a:txBody>
+                  <a:tcPr/>
+                </a:tc>
+              </a:tr>
+            </a:tbl>
+          </a:graphicData>
+        </a:graphic>
+      </p:graphicFrame>
     </p:spTree>
     <p:extLst>
       <p:ext uri="{BB962C8B-B14F-4D97-AF65-F5344CB8AC3E}">

--- a/Presentation/Poster.pptx
+++ b/Presentation/Poster.pptx
@@ -10225,7 +10225,7 @@
               <a:rPr lang="en-US" dirty="0" err="1" smtClean="0">
                 <a:cs typeface="Guttman Vilna" pitchFamily="2" charset="-79"/>
               </a:rPr>
-              <a:t>Tzipin</a:t>
+              <a:t>Tsipin</a:t>
             </a:r>
             <a:r>
               <a:rPr lang="en-US" dirty="0" smtClean="0">
